--- a/Calendario2022/presentaciones/1_IntroduccionAlgoritmosProgramas.pptx
+++ b/Calendario2022/presentaciones/1_IntroduccionAlgoritmosProgramas.pptx
@@ -5,7 +5,7 @@
     <p:sldMasterId id="2147483648" r:id="rId1"/>
   </p:sldMasterIdLst>
   <p:notesMasterIdLst>
-    <p:notesMasterId r:id="rId22"/>
+    <p:notesMasterId r:id="rId23"/>
   </p:notesMasterIdLst>
   <p:sldIdLst>
     <p:sldId id="317" r:id="rId2"/>
@@ -20,14 +20,15 @@
     <p:sldId id="293" r:id="rId11"/>
     <p:sldId id="294" r:id="rId12"/>
     <p:sldId id="288" r:id="rId13"/>
-    <p:sldId id="312" r:id="rId14"/>
-    <p:sldId id="313" r:id="rId15"/>
-    <p:sldId id="314" r:id="rId16"/>
-    <p:sldId id="273" r:id="rId17"/>
-    <p:sldId id="274" r:id="rId18"/>
-    <p:sldId id="277" r:id="rId19"/>
-    <p:sldId id="315" r:id="rId20"/>
-    <p:sldId id="282" r:id="rId21"/>
+    <p:sldId id="318" r:id="rId14"/>
+    <p:sldId id="312" r:id="rId15"/>
+    <p:sldId id="313" r:id="rId16"/>
+    <p:sldId id="314" r:id="rId17"/>
+    <p:sldId id="273" r:id="rId18"/>
+    <p:sldId id="274" r:id="rId19"/>
+    <p:sldId id="277" r:id="rId20"/>
+    <p:sldId id="315" r:id="rId21"/>
+    <p:sldId id="282" r:id="rId22"/>
   </p:sldIdLst>
   <p:sldSz cx="9144000" cy="6858000" type="screen4x3"/>
   <p:notesSz cx="6858000" cy="9144000"/>
@@ -227,7 +228,7 @@
           <a:p>
             <a:fld id="{2D445F07-8756-451B-A938-0248325FC7BB}" type="datetimeFigureOut">
               <a:rPr lang="es-MX" smtClean="0"/>
-              <a:t>08/02/2021</a:t>
+              <a:t>24/02/2022</a:t>
             </a:fld>
             <a:endParaRPr lang="es-MX" dirty="0"/>
           </a:p>
@@ -642,9 +643,93 @@
           <a:bodyPr/>
           <a:lstStyle/>
           <a:p>
+            <a:fld id="{5993AEC0-242E-4FA7-9D3C-51E1036AC3CB}" type="slidenum">
+              <a:rPr lang="es-MX" smtClean="0"/>
+              <a:t>18</a:t>
+            </a:fld>
+            <a:endParaRPr lang="es-MX" dirty="0"/>
+          </a:p>
+        </p:txBody>
+      </p:sp>
+    </p:spTree>
+    <p:extLst>
+      <p:ext uri="{BB962C8B-B14F-4D97-AF65-F5344CB8AC3E}">
+        <p14:creationId xmlns:p14="http://schemas.microsoft.com/office/powerpoint/2010/main" val="2600741813"/>
+      </p:ext>
+    </p:extLst>
+  </p:cSld>
+  <p:clrMapOvr>
+    <a:masterClrMapping/>
+  </p:clrMapOvr>
+</p:notes>
+</file>
+
+<file path=ppt/notesSlides/notesSlide11.xml><?xml version="1.0" encoding="utf-8"?>
+<p:notes xmlns:a="http://schemas.openxmlformats.org/drawingml/2006/main" xmlns:r="http://schemas.openxmlformats.org/officeDocument/2006/relationships" xmlns:p="http://schemas.openxmlformats.org/presentationml/2006/main">
+  <p:cSld>
+    <p:spTree>
+      <p:nvGrpSpPr>
+        <p:cNvPr id="1" name=""/>
+        <p:cNvGrpSpPr/>
+        <p:nvPr/>
+      </p:nvGrpSpPr>
+      <p:grpSpPr>
+        <a:xfrm>
+          <a:off x="0" y="0"/>
+          <a:ext cx="0" cy="0"/>
+          <a:chOff x="0" y="0"/>
+          <a:chExt cx="0" cy="0"/>
+        </a:xfrm>
+      </p:grpSpPr>
+      <p:sp>
+        <p:nvSpPr>
+          <p:cNvPr id="2" name="Marcador de imagen de diapositiva 1"/>
+          <p:cNvSpPr>
+            <a:spLocks noGrp="1" noRot="1" noChangeAspect="1"/>
+          </p:cNvSpPr>
+          <p:nvPr>
+            <p:ph type="sldImg"/>
+          </p:nvPr>
+        </p:nvSpPr>
+        <p:spPr/>
+      </p:sp>
+      <p:sp>
+        <p:nvSpPr>
+          <p:cNvPr id="3" name="Marcador de notas 2"/>
+          <p:cNvSpPr>
+            <a:spLocks noGrp="1"/>
+          </p:cNvSpPr>
+          <p:nvPr>
+            <p:ph type="body" idx="1"/>
+          </p:nvPr>
+        </p:nvSpPr>
+        <p:spPr/>
+        <p:txBody>
+          <a:bodyPr/>
+          <a:lstStyle/>
+          <a:p>
+            <a:endParaRPr lang="es-MX" dirty="0"/>
+          </a:p>
+        </p:txBody>
+      </p:sp>
+      <p:sp>
+        <p:nvSpPr>
+          <p:cNvPr id="4" name="Marcador de número de diapositiva 3"/>
+          <p:cNvSpPr>
+            <a:spLocks noGrp="1"/>
+          </p:cNvSpPr>
+          <p:nvPr>
+            <p:ph type="sldNum" sz="quarter" idx="5"/>
+          </p:nvPr>
+        </p:nvSpPr>
+        <p:spPr/>
+        <p:txBody>
+          <a:bodyPr/>
+          <a:lstStyle/>
+          <a:p>
             <a:fld id="{4D347943-BED9-4F50-9608-342FFFFC6AEF}" type="slidenum">
               <a:rPr lang="es-MX" smtClean="0"/>
-              <a:t>19</a:t>
+              <a:t>20</a:t>
             </a:fld>
             <a:endParaRPr lang="es-MX"/>
           </a:p>
@@ -1053,6 +1138,90 @@
 </file>
 
 <file path=ppt/notesSlides/notesSlide6.xml><?xml version="1.0" encoding="utf-8"?>
+<p:notes xmlns:a="http://schemas.openxmlformats.org/drawingml/2006/main" xmlns:r="http://schemas.openxmlformats.org/officeDocument/2006/relationships" xmlns:p="http://schemas.openxmlformats.org/presentationml/2006/main">
+  <p:cSld>
+    <p:spTree>
+      <p:nvGrpSpPr>
+        <p:cNvPr id="1" name=""/>
+        <p:cNvGrpSpPr/>
+        <p:nvPr/>
+      </p:nvGrpSpPr>
+      <p:grpSpPr>
+        <a:xfrm>
+          <a:off x="0" y="0"/>
+          <a:ext cx="0" cy="0"/>
+          <a:chOff x="0" y="0"/>
+          <a:chExt cx="0" cy="0"/>
+        </a:xfrm>
+      </p:grpSpPr>
+      <p:sp>
+        <p:nvSpPr>
+          <p:cNvPr id="2" name="Marcador de imagen de diapositiva 1"/>
+          <p:cNvSpPr>
+            <a:spLocks noGrp="1" noRot="1" noChangeAspect="1"/>
+          </p:cNvSpPr>
+          <p:nvPr>
+            <p:ph type="sldImg"/>
+          </p:nvPr>
+        </p:nvSpPr>
+        <p:spPr/>
+      </p:sp>
+      <p:sp>
+        <p:nvSpPr>
+          <p:cNvPr id="3" name="Marcador de notas 2"/>
+          <p:cNvSpPr>
+            <a:spLocks noGrp="1"/>
+          </p:cNvSpPr>
+          <p:nvPr>
+            <p:ph type="body" idx="1"/>
+          </p:nvPr>
+        </p:nvSpPr>
+        <p:spPr/>
+        <p:txBody>
+          <a:bodyPr/>
+          <a:lstStyle/>
+          <a:p>
+            <a:endParaRPr lang="es-MX" dirty="0"/>
+          </a:p>
+        </p:txBody>
+      </p:sp>
+      <p:sp>
+        <p:nvSpPr>
+          <p:cNvPr id="4" name="Marcador de número de diapositiva 3"/>
+          <p:cNvSpPr>
+            <a:spLocks noGrp="1"/>
+          </p:cNvSpPr>
+          <p:nvPr>
+            <p:ph type="sldNum" sz="quarter" idx="5"/>
+          </p:nvPr>
+        </p:nvSpPr>
+        <p:spPr/>
+        <p:txBody>
+          <a:bodyPr/>
+          <a:lstStyle/>
+          <a:p>
+            <a:fld id="{4D347943-BED9-4F50-9608-342FFFFC6AEF}" type="slidenum">
+              <a:rPr lang="es-MX" smtClean="0"/>
+              <a:t>13</a:t>
+            </a:fld>
+            <a:endParaRPr lang="es-MX"/>
+          </a:p>
+        </p:txBody>
+      </p:sp>
+    </p:spTree>
+    <p:extLst>
+      <p:ext uri="{BB962C8B-B14F-4D97-AF65-F5344CB8AC3E}">
+        <p14:creationId xmlns:p14="http://schemas.microsoft.com/office/powerpoint/2010/main" val="97328504"/>
+      </p:ext>
+    </p:extLst>
+  </p:cSld>
+  <p:clrMapOvr>
+    <a:masterClrMapping/>
+  </p:clrMapOvr>
+</p:notes>
+</file>
+
+<file path=ppt/notesSlides/notesSlide7.xml><?xml version="1.0" encoding="utf-8"?>
 <p:notes xmlns:a="http://schemas.openxmlformats.org/drawingml/2006/main" xmlns:r="http://schemas.openxmlformats.org/officeDocument/2006/relationships" xmlns:p="http://schemas.openxmlformats.org/presentationml/2006/main">
   <p:cSld>
     <p:spTree>
@@ -1194,7 +1363,7 @@
 </p:notes>
 </file>
 
-<file path=ppt/notesSlides/notesSlide7.xml><?xml version="1.0" encoding="utf-8"?>
+<file path=ppt/notesSlides/notesSlide8.xml><?xml version="1.0" encoding="utf-8"?>
 <p:notes xmlns:a="http://schemas.openxmlformats.org/drawingml/2006/main" xmlns:r="http://schemas.openxmlformats.org/officeDocument/2006/relationships" xmlns:p="http://schemas.openxmlformats.org/presentationml/2006/main">
   <p:cSld>
     <p:spTree>
@@ -1336,7 +1505,7 @@
 </p:notes>
 </file>
 
-<file path=ppt/notesSlides/notesSlide8.xml><?xml version="1.0" encoding="utf-8"?>
+<file path=ppt/notesSlides/notesSlide9.xml><?xml version="1.0" encoding="utf-8"?>
 <p:notes xmlns:a="http://schemas.openxmlformats.org/drawingml/2006/main" xmlns:r="http://schemas.openxmlformats.org/officeDocument/2006/relationships" xmlns:p="http://schemas.openxmlformats.org/presentationml/2006/main">
   <p:cSld>
     <p:spTree>
@@ -1478,90 +1647,6 @@
 </p:notes>
 </file>
 
-<file path=ppt/notesSlides/notesSlide9.xml><?xml version="1.0" encoding="utf-8"?>
-<p:notes xmlns:a="http://schemas.openxmlformats.org/drawingml/2006/main" xmlns:r="http://schemas.openxmlformats.org/officeDocument/2006/relationships" xmlns:p="http://schemas.openxmlformats.org/presentationml/2006/main">
-  <p:cSld>
-    <p:spTree>
-      <p:nvGrpSpPr>
-        <p:cNvPr id="1" name=""/>
-        <p:cNvGrpSpPr/>
-        <p:nvPr/>
-      </p:nvGrpSpPr>
-      <p:grpSpPr>
-        <a:xfrm>
-          <a:off x="0" y="0"/>
-          <a:ext cx="0" cy="0"/>
-          <a:chOff x="0" y="0"/>
-          <a:chExt cx="0" cy="0"/>
-        </a:xfrm>
-      </p:grpSpPr>
-      <p:sp>
-        <p:nvSpPr>
-          <p:cNvPr id="2" name="Marcador de imagen de diapositiva 1"/>
-          <p:cNvSpPr>
-            <a:spLocks noGrp="1" noRot="1" noChangeAspect="1"/>
-          </p:cNvSpPr>
-          <p:nvPr>
-            <p:ph type="sldImg"/>
-          </p:nvPr>
-        </p:nvSpPr>
-        <p:spPr/>
-      </p:sp>
-      <p:sp>
-        <p:nvSpPr>
-          <p:cNvPr id="3" name="Marcador de notas 2"/>
-          <p:cNvSpPr>
-            <a:spLocks noGrp="1"/>
-          </p:cNvSpPr>
-          <p:nvPr>
-            <p:ph type="body" idx="1"/>
-          </p:nvPr>
-        </p:nvSpPr>
-        <p:spPr/>
-        <p:txBody>
-          <a:bodyPr/>
-          <a:lstStyle/>
-          <a:p>
-            <a:endParaRPr lang="es-MX" dirty="0"/>
-          </a:p>
-        </p:txBody>
-      </p:sp>
-      <p:sp>
-        <p:nvSpPr>
-          <p:cNvPr id="4" name="Marcador de número de diapositiva 3"/>
-          <p:cNvSpPr>
-            <a:spLocks noGrp="1"/>
-          </p:cNvSpPr>
-          <p:nvPr>
-            <p:ph type="sldNum" sz="quarter" idx="5"/>
-          </p:nvPr>
-        </p:nvSpPr>
-        <p:spPr/>
-        <p:txBody>
-          <a:bodyPr/>
-          <a:lstStyle/>
-          <a:p>
-            <a:fld id="{5993AEC0-242E-4FA7-9D3C-51E1036AC3CB}" type="slidenum">
-              <a:rPr lang="es-MX" smtClean="0"/>
-              <a:t>17</a:t>
-            </a:fld>
-            <a:endParaRPr lang="es-MX" dirty="0"/>
-          </a:p>
-        </p:txBody>
-      </p:sp>
-    </p:spTree>
-    <p:extLst>
-      <p:ext uri="{BB962C8B-B14F-4D97-AF65-F5344CB8AC3E}">
-        <p14:creationId xmlns:p14="http://schemas.microsoft.com/office/powerpoint/2010/main" val="2600741813"/>
-      </p:ext>
-    </p:extLst>
-  </p:cSld>
-  <p:clrMapOvr>
-    <a:masterClrMapping/>
-  </p:clrMapOvr>
-</p:notes>
-</file>
-
 <file path=ppt/slideLayouts/slideLayout1.xml><?xml version="1.0" encoding="utf-8"?>
 <p:sldLayout xmlns:a="http://schemas.openxmlformats.org/drawingml/2006/main" xmlns:r="http://schemas.openxmlformats.org/officeDocument/2006/relationships" xmlns:p="http://schemas.openxmlformats.org/presentationml/2006/main" type="title" preserve="1">
   <p:cSld name="Diapositiva de título">
@@ -1743,7 +1828,7 @@
           <a:p>
             <a:fld id="{5E75A0DC-66C6-4CEC-A5EB-F8C97CEC3796}" type="datetimeFigureOut">
               <a:rPr lang="es-MX" smtClean="0"/>
-              <a:t>08/02/2021</a:t>
+              <a:t>24/02/2022</a:t>
             </a:fld>
             <a:endParaRPr lang="es-MX" dirty="0"/>
           </a:p>
@@ -1913,7 +1998,7 @@
           <a:p>
             <a:fld id="{5E75A0DC-66C6-4CEC-A5EB-F8C97CEC3796}" type="datetimeFigureOut">
               <a:rPr lang="es-MX" smtClean="0"/>
-              <a:t>08/02/2021</a:t>
+              <a:t>24/02/2022</a:t>
             </a:fld>
             <a:endParaRPr lang="es-MX" dirty="0"/>
           </a:p>
@@ -2093,7 +2178,7 @@
           <a:p>
             <a:fld id="{5E75A0DC-66C6-4CEC-A5EB-F8C97CEC3796}" type="datetimeFigureOut">
               <a:rPr lang="es-MX" smtClean="0"/>
-              <a:t>08/02/2021</a:t>
+              <a:t>24/02/2022</a:t>
             </a:fld>
             <a:endParaRPr lang="es-MX" dirty="0"/>
           </a:p>
@@ -2246,7 +2331,7 @@
           <a:p>
             <a:fld id="{1D8BD707-D9CF-40AE-B4C6-C98DA3205C09}" type="datetimeFigureOut">
               <a:rPr lang="en-US" smtClean="0"/>
-              <a:t>2/8/2021</a:t>
+              <a:t>2/24/2022</a:t>
             </a:fld>
             <a:endParaRPr lang="en-US"/>
           </a:p>
@@ -3126,7 +3211,7 @@
           <a:p>
             <a:fld id="{5E75A0DC-66C6-4CEC-A5EB-F8C97CEC3796}" type="datetimeFigureOut">
               <a:rPr lang="es-MX" smtClean="0"/>
-              <a:t>08/02/2021</a:t>
+              <a:t>24/02/2022</a:t>
             </a:fld>
             <a:endParaRPr lang="es-MX" dirty="0"/>
           </a:p>
@@ -3372,7 +3457,7 @@
           <a:p>
             <a:fld id="{5E75A0DC-66C6-4CEC-A5EB-F8C97CEC3796}" type="datetimeFigureOut">
               <a:rPr lang="es-MX" smtClean="0"/>
-              <a:t>08/02/2021</a:t>
+              <a:t>24/02/2022</a:t>
             </a:fld>
             <a:endParaRPr lang="es-MX" dirty="0"/>
           </a:p>
@@ -3660,7 +3745,7 @@
           <a:p>
             <a:fld id="{5E75A0DC-66C6-4CEC-A5EB-F8C97CEC3796}" type="datetimeFigureOut">
               <a:rPr lang="es-MX" smtClean="0"/>
-              <a:t>08/02/2021</a:t>
+              <a:t>24/02/2022</a:t>
             </a:fld>
             <a:endParaRPr lang="es-MX" dirty="0"/>
           </a:p>
@@ -4082,7 +4167,7 @@
           <a:p>
             <a:fld id="{5E75A0DC-66C6-4CEC-A5EB-F8C97CEC3796}" type="datetimeFigureOut">
               <a:rPr lang="es-MX" smtClean="0"/>
-              <a:t>08/02/2021</a:t>
+              <a:t>24/02/2022</a:t>
             </a:fld>
             <a:endParaRPr lang="es-MX" dirty="0"/>
           </a:p>
@@ -4200,7 +4285,7 @@
           <a:p>
             <a:fld id="{5E75A0DC-66C6-4CEC-A5EB-F8C97CEC3796}" type="datetimeFigureOut">
               <a:rPr lang="es-MX" smtClean="0"/>
-              <a:t>08/02/2021</a:t>
+              <a:t>24/02/2022</a:t>
             </a:fld>
             <a:endParaRPr lang="es-MX" dirty="0"/>
           </a:p>
@@ -4295,7 +4380,7 @@
           <a:p>
             <a:fld id="{5E75A0DC-66C6-4CEC-A5EB-F8C97CEC3796}" type="datetimeFigureOut">
               <a:rPr lang="es-MX" smtClean="0"/>
-              <a:t>08/02/2021</a:t>
+              <a:t>24/02/2022</a:t>
             </a:fld>
             <a:endParaRPr lang="es-MX" dirty="0"/>
           </a:p>
@@ -4572,7 +4657,7 @@
           <a:p>
             <a:fld id="{5E75A0DC-66C6-4CEC-A5EB-F8C97CEC3796}" type="datetimeFigureOut">
               <a:rPr lang="es-MX" smtClean="0"/>
-              <a:t>08/02/2021</a:t>
+              <a:t>24/02/2022</a:t>
             </a:fld>
             <a:endParaRPr lang="es-MX" dirty="0"/>
           </a:p>
@@ -4825,7 +4910,7 @@
           <a:p>
             <a:fld id="{5E75A0DC-66C6-4CEC-A5EB-F8C97CEC3796}" type="datetimeFigureOut">
               <a:rPr lang="es-MX" smtClean="0"/>
-              <a:t>08/02/2021</a:t>
+              <a:t>24/02/2022</a:t>
             </a:fld>
             <a:endParaRPr lang="es-MX" dirty="0"/>
           </a:p>
@@ -5038,7 +5123,7 @@
           <a:p>
             <a:fld id="{5E75A0DC-66C6-4CEC-A5EB-F8C97CEC3796}" type="datetimeFigureOut">
               <a:rPr lang="es-MX" smtClean="0"/>
-              <a:t>08/02/2021</a:t>
+              <a:t>24/02/2022</a:t>
             </a:fld>
             <a:endParaRPr lang="es-MX" dirty="0"/>
           </a:p>
@@ -12230,6 +12315,420 @@
 </file>
 
 <file path=ppt/slides/slide13.xml><?xml version="1.0" encoding="utf-8"?>
+<p:sld xmlns:a="http://schemas.openxmlformats.org/drawingml/2006/main" xmlns:r="http://schemas.openxmlformats.org/officeDocument/2006/relationships" xmlns:p="http://schemas.openxmlformats.org/presentationml/2006/main">
+  <p:cSld>
+    <p:spTree>
+      <p:nvGrpSpPr>
+        <p:cNvPr id="1" name=""/>
+        <p:cNvGrpSpPr/>
+        <p:nvPr/>
+      </p:nvGrpSpPr>
+      <p:grpSpPr>
+        <a:xfrm>
+          <a:off x="0" y="0"/>
+          <a:ext cx="0" cy="0"/>
+          <a:chOff x="0" y="0"/>
+          <a:chExt cx="0" cy="0"/>
+        </a:xfrm>
+      </p:grpSpPr>
+      <p:sp>
+        <p:nvSpPr>
+          <p:cNvPr id="14" name="object 14"/>
+          <p:cNvSpPr txBox="1"/>
+          <p:nvPr/>
+        </p:nvSpPr>
+        <p:spPr>
+          <a:xfrm>
+            <a:off x="1001139" y="476672"/>
+            <a:ext cx="7444105" cy="857885"/>
+          </a:xfrm>
+          <a:prstGeom prst="rect">
+            <a:avLst/>
+          </a:prstGeom>
+        </p:spPr>
+        <p:txBody>
+          <a:bodyPr vert="horz" wrap="square" lIns="0" tIns="0" rIns="0" bIns="0" rtlCol="0">
+            <a:noAutofit/>
+          </a:bodyPr>
+          <a:lstStyle/>
+          <a:p>
+            <a:pPr marL="12700" algn="ctr"/>
+            <a:r>
+              <a:rPr lang="es-ES" sz="4400" b="1" dirty="0">
+                <a:solidFill>
+                  <a:schemeClr val="accent4">
+                    <a:lumMod val="50000"/>
+                  </a:schemeClr>
+                </a:solidFill>
+                <a:effectLst>
+                  <a:outerShdw blurRad="38100" dist="38100" dir="2700000" algn="tl">
+                    <a:srgbClr val="C0C0C0"/>
+                  </a:outerShdw>
+                </a:effectLst>
+                <a:latin typeface="Dom Casual" charset="0"/>
+                <a:ea typeface="+mj-ea"/>
+                <a:cs typeface="+mj-cs"/>
+              </a:rPr>
+              <a:t>10 principales usos de Python</a:t>
+            </a:r>
+            <a:endParaRPr sz="4400" b="1" dirty="0">
+              <a:solidFill>
+                <a:schemeClr val="accent4">
+                  <a:lumMod val="50000"/>
+                </a:schemeClr>
+              </a:solidFill>
+              <a:effectLst>
+                <a:outerShdw blurRad="38100" dist="38100" dir="2700000" algn="tl">
+                  <a:srgbClr val="C0C0C0"/>
+                </a:outerShdw>
+              </a:effectLst>
+              <a:latin typeface="Dom Casual" charset="0"/>
+              <a:ea typeface="+mj-ea"/>
+              <a:cs typeface="+mj-cs"/>
+            </a:endParaRPr>
+          </a:p>
+        </p:txBody>
+      </p:sp>
+      <p:pic>
+        <p:nvPicPr>
+          <p:cNvPr id="18" name="Imagen 17">
+            <a:extLst>
+              <a:ext uri="{FF2B5EF4-FFF2-40B4-BE49-F238E27FC236}">
+                <a16:creationId xmlns:a16="http://schemas.microsoft.com/office/drawing/2014/main" id="{A0FAB87E-0EB7-4C92-A65E-6DE87149A4DA}"/>
+              </a:ext>
+            </a:extLst>
+          </p:cNvPr>
+          <p:cNvPicPr>
+            <a:picLocks noChangeAspect="1"/>
+          </p:cNvPicPr>
+          <p:nvPr/>
+        </p:nvPicPr>
+        <p:blipFill>
+          <a:blip r:embed="rId3">
+            <a:extLst>
+              <a:ext uri="{28A0092B-C50C-407E-A947-70E740481C1C}">
+                <a14:useLocalDpi xmlns:a14="http://schemas.microsoft.com/office/drawing/2010/main" val="0"/>
+              </a:ext>
+            </a:extLst>
+          </a:blip>
+          <a:stretch>
+            <a:fillRect/>
+          </a:stretch>
+        </p:blipFill>
+        <p:spPr>
+          <a:xfrm>
+            <a:off x="4572000" y="2708920"/>
+            <a:ext cx="4394176" cy="2724390"/>
+          </a:xfrm>
+          <a:prstGeom prst="rect">
+            <a:avLst/>
+          </a:prstGeom>
+        </p:spPr>
+      </p:pic>
+      <p:sp>
+        <p:nvSpPr>
+          <p:cNvPr id="8" name="CuadroTexto 7">
+            <a:extLst>
+              <a:ext uri="{FF2B5EF4-FFF2-40B4-BE49-F238E27FC236}">
+                <a16:creationId xmlns:a16="http://schemas.microsoft.com/office/drawing/2014/main" id="{2DD8E417-FB5E-4185-A827-16FAE88A2139}"/>
+              </a:ext>
+            </a:extLst>
+          </p:cNvPr>
+          <p:cNvSpPr txBox="1"/>
+          <p:nvPr/>
+        </p:nvSpPr>
+        <p:spPr>
+          <a:xfrm>
+            <a:off x="1001139" y="1467657"/>
+            <a:ext cx="4867005" cy="4204356"/>
+          </a:xfrm>
+          <a:prstGeom prst="rect">
+            <a:avLst/>
+          </a:prstGeom>
+          <a:noFill/>
+        </p:spPr>
+        <p:txBody>
+          <a:bodyPr wrap="square">
+            <a:spAutoFit/>
+          </a:bodyPr>
+          <a:lstStyle/>
+          <a:p>
+            <a:pPr marL="342900" indent="-342900" algn="l">
+              <a:lnSpc>
+                <a:spcPct val="150000"/>
+              </a:lnSpc>
+              <a:buFont typeface="+mj-lt"/>
+              <a:buAutoNum type="arabicPeriod"/>
+            </a:pPr>
+            <a:r>
+              <a:rPr lang="es-ES" i="0" dirty="0">
+                <a:solidFill>
+                  <a:srgbClr val="444444"/>
+                </a:solidFill>
+                <a:effectLst/>
+              </a:rPr>
+              <a:t>Desarrollo web</a:t>
+            </a:r>
+          </a:p>
+          <a:p>
+            <a:pPr marL="342900" indent="-342900" algn="l">
+              <a:lnSpc>
+                <a:spcPct val="150000"/>
+              </a:lnSpc>
+              <a:buFont typeface="+mj-lt"/>
+              <a:buAutoNum type="arabicPeriod"/>
+            </a:pPr>
+            <a:r>
+              <a:rPr lang="es-ES" i="0" dirty="0">
+                <a:solidFill>
+                  <a:srgbClr val="444444"/>
+                </a:solidFill>
+                <a:effectLst/>
+              </a:rPr>
+              <a:t>Ciencia de datos</a:t>
+            </a:r>
+          </a:p>
+          <a:p>
+            <a:pPr marL="342900" indent="-342900" algn="l">
+              <a:lnSpc>
+                <a:spcPct val="150000"/>
+              </a:lnSpc>
+              <a:buFont typeface="+mj-lt"/>
+              <a:buAutoNum type="arabicPeriod"/>
+            </a:pPr>
+            <a:r>
+              <a:rPr lang="es-ES" i="0" dirty="0">
+                <a:solidFill>
+                  <a:srgbClr val="444444"/>
+                </a:solidFill>
+                <a:effectLst/>
+              </a:rPr>
+              <a:t>Inteligencia artificial y aprendizaje automático</a:t>
+            </a:r>
+          </a:p>
+          <a:p>
+            <a:pPr marL="342900" indent="-342900" algn="l">
+              <a:lnSpc>
+                <a:spcPct val="150000"/>
+              </a:lnSpc>
+              <a:buFont typeface="+mj-lt"/>
+              <a:buAutoNum type="arabicPeriod"/>
+            </a:pPr>
+            <a:r>
+              <a:rPr lang="es-ES" i="0" dirty="0">
+                <a:solidFill>
+                  <a:srgbClr val="444444"/>
+                </a:solidFill>
+                <a:effectLst/>
+              </a:rPr>
+              <a:t>Aplicaciones empresariales</a:t>
+            </a:r>
+          </a:p>
+          <a:p>
+            <a:pPr marL="342900" indent="-342900" algn="l">
+              <a:lnSpc>
+                <a:spcPct val="150000"/>
+              </a:lnSpc>
+              <a:buFont typeface="+mj-lt"/>
+              <a:buAutoNum type="arabicPeriod"/>
+            </a:pPr>
+            <a:r>
+              <a:rPr lang="es-ES" i="0" dirty="0">
+                <a:solidFill>
+                  <a:srgbClr val="444444"/>
+                </a:solidFill>
+                <a:effectLst/>
+              </a:rPr>
+              <a:t>Sector educativo</a:t>
+            </a:r>
+          </a:p>
+          <a:p>
+            <a:pPr marL="342900" indent="-342900" algn="l">
+              <a:lnSpc>
+                <a:spcPct val="150000"/>
+              </a:lnSpc>
+              <a:buFont typeface="+mj-lt"/>
+              <a:buAutoNum type="arabicPeriod"/>
+            </a:pPr>
+            <a:r>
+              <a:rPr lang="es-ES" i="0" dirty="0">
+                <a:solidFill>
+                  <a:srgbClr val="444444"/>
+                </a:solidFill>
+                <a:effectLst/>
+              </a:rPr>
+              <a:t>Aplicaciones de web</a:t>
+            </a:r>
+          </a:p>
+          <a:p>
+            <a:pPr marL="342900" indent="-342900" algn="l">
+              <a:lnSpc>
+                <a:spcPct val="150000"/>
+              </a:lnSpc>
+              <a:buFont typeface="+mj-lt"/>
+              <a:buAutoNum type="arabicPeriod"/>
+            </a:pPr>
+            <a:r>
+              <a:rPr lang="es-ES" i="0" dirty="0">
+                <a:solidFill>
+                  <a:srgbClr val="444444"/>
+                </a:solidFill>
+                <a:effectLst/>
+              </a:rPr>
+              <a:t>Desarrollo de juegos</a:t>
+            </a:r>
+          </a:p>
+          <a:p>
+            <a:pPr marL="342900" indent="-342900" algn="l">
+              <a:lnSpc>
+                <a:spcPct val="150000"/>
+              </a:lnSpc>
+              <a:buFont typeface="+mj-lt"/>
+              <a:buAutoNum type="arabicPeriod"/>
+            </a:pPr>
+            <a:r>
+              <a:rPr lang="es-ES" i="0" dirty="0">
+                <a:solidFill>
+                  <a:srgbClr val="444444"/>
+                </a:solidFill>
+                <a:effectLst/>
+              </a:rPr>
+              <a:t>Desarrollo de software</a:t>
+            </a:r>
+          </a:p>
+          <a:p>
+            <a:pPr marL="342900" indent="-342900" algn="l">
+              <a:lnSpc>
+                <a:spcPct val="150000"/>
+              </a:lnSpc>
+              <a:buFont typeface="+mj-lt"/>
+              <a:buAutoNum type="arabicPeriod"/>
+            </a:pPr>
+            <a:r>
+              <a:rPr lang="es-ES" i="0" dirty="0">
+                <a:solidFill>
+                  <a:srgbClr val="444444"/>
+                </a:solidFill>
+                <a:effectLst/>
+              </a:rPr>
+              <a:t>Interfaz gráfica de usuario (GUI) </a:t>
+            </a:r>
+            <a:endParaRPr lang="es-ES" i="0" dirty="0">
+              <a:solidFill>
+                <a:srgbClr val="768894"/>
+              </a:solidFill>
+              <a:effectLst/>
+            </a:endParaRPr>
+          </a:p>
+          <a:p>
+            <a:pPr marL="342900" indent="-342900" algn="l">
+              <a:lnSpc>
+                <a:spcPct val="150000"/>
+              </a:lnSpc>
+              <a:buFont typeface="+mj-lt"/>
+              <a:buAutoNum type="arabicPeriod"/>
+            </a:pPr>
+            <a:r>
+              <a:rPr lang="es-ES" i="0" dirty="0">
+                <a:solidFill>
+                  <a:srgbClr val="444444"/>
+                </a:solidFill>
+                <a:effectLst/>
+              </a:rPr>
+              <a:t>Sistemas operativos</a:t>
+            </a:r>
+          </a:p>
+        </p:txBody>
+      </p:sp>
+    </p:spTree>
+    <p:extLst>
+      <p:ext uri="{BB962C8B-B14F-4D97-AF65-F5344CB8AC3E}">
+        <p14:creationId xmlns:p14="http://schemas.microsoft.com/office/powerpoint/2010/main" val="3647166121"/>
+      </p:ext>
+    </p:extLst>
+  </p:cSld>
+  <p:clrMapOvr>
+    <a:masterClrMapping/>
+  </p:clrMapOvr>
+  <p:timing>
+    <p:tnLst>
+      <p:par>
+        <p:cTn id="1" dur="indefinite" restart="never" nodeType="tmRoot">
+          <p:childTnLst>
+            <p:seq concurrent="1" nextAc="seek">
+              <p:cTn id="2" dur="indefinite" nodeType="mainSeq">
+                <p:childTnLst>
+                  <p:par>
+                    <p:cTn id="3" fill="hold">
+                      <p:stCondLst>
+                        <p:cond delay="indefinite"/>
+                      </p:stCondLst>
+                      <p:childTnLst>
+                        <p:par>
+                          <p:cTn id="4" fill="hold">
+                            <p:stCondLst>
+                              <p:cond delay="0"/>
+                            </p:stCondLst>
+                            <p:childTnLst>
+                              <p:par>
+                                <p:cTn id="5" presetID="1" presetClass="entr" presetSubtype="0" fill="hold" nodeType="clickEffect">
+                                  <p:stCondLst>
+                                    <p:cond delay="0"/>
+                                  </p:stCondLst>
+                                  <p:childTnLst>
+                                    <p:set>
+                                      <p:cBhvr>
+                                        <p:cTn id="6" dur="1" fill="hold">
+                                          <p:stCondLst>
+                                            <p:cond delay="0"/>
+                                          </p:stCondLst>
+                                        </p:cTn>
+                                        <p:tgtEl>
+                                          <p:spTgt spid="18"/>
+                                        </p:tgtEl>
+                                        <p:attrNameLst>
+                                          <p:attrName>style.visibility</p:attrName>
+                                        </p:attrNameLst>
+                                      </p:cBhvr>
+                                      <p:to>
+                                        <p:strVal val="visible"/>
+                                      </p:to>
+                                    </p:set>
+                                  </p:childTnLst>
+                                </p:cTn>
+                              </p:par>
+                            </p:childTnLst>
+                          </p:cTn>
+                        </p:par>
+                      </p:childTnLst>
+                    </p:cTn>
+                  </p:par>
+                </p:childTnLst>
+              </p:cTn>
+              <p:prevCondLst>
+                <p:cond evt="onPrev" delay="0">
+                  <p:tgtEl>
+                    <p:sldTgt/>
+                  </p:tgtEl>
+                </p:cond>
+              </p:prevCondLst>
+              <p:nextCondLst>
+                <p:cond evt="onNext" delay="0">
+                  <p:tgtEl>
+                    <p:sldTgt/>
+                  </p:tgtEl>
+                </p:cond>
+              </p:nextCondLst>
+            </p:seq>
+          </p:childTnLst>
+        </p:cTn>
+      </p:par>
+    </p:tnLst>
+  </p:timing>
+</p:sld>
+</file>
+
+<file path=ppt/slides/slide14.xml><?xml version="1.0" encoding="utf-8"?>
 <p:sld xmlns:a="http://schemas.openxmlformats.org/drawingml/2006/main" xmlns:r="http://schemas.openxmlformats.org/officeDocument/2006/relationships" xmlns:p="http://schemas.openxmlformats.org/presentationml/2006/main" showMasterPhAnim="0">
   <p:cSld>
     <p:spTree>
@@ -13188,7 +13687,7 @@
 </p:sld>
 </file>
 
-<file path=ppt/slides/slide14.xml><?xml version="1.0" encoding="utf-8"?>
+<file path=ppt/slides/slide15.xml><?xml version="1.0" encoding="utf-8"?>
 <p:sld xmlns:a="http://schemas.openxmlformats.org/drawingml/2006/main" xmlns:r="http://schemas.openxmlformats.org/officeDocument/2006/relationships" xmlns:p="http://schemas.openxmlformats.org/presentationml/2006/main" showMasterPhAnim="0">
   <p:cSld>
     <p:spTree>
@@ -15120,7 +15619,7 @@
 </p:sld>
 </file>
 
-<file path=ppt/slides/slide15.xml><?xml version="1.0" encoding="utf-8"?>
+<file path=ppt/slides/slide16.xml><?xml version="1.0" encoding="utf-8"?>
 <p:sld xmlns:a="http://schemas.openxmlformats.org/drawingml/2006/main" xmlns:r="http://schemas.openxmlformats.org/officeDocument/2006/relationships" xmlns:p="http://schemas.openxmlformats.org/presentationml/2006/main" showMasterPhAnim="0">
   <p:cSld>
     <p:spTree>
@@ -18353,7 +18852,7 @@
 </p:sld>
 </file>
 
-<file path=ppt/slides/slide16.xml><?xml version="1.0" encoding="utf-8"?>
+<file path=ppt/slides/slide17.xml><?xml version="1.0" encoding="utf-8"?>
 <p:sld xmlns:a="http://schemas.openxmlformats.org/drawingml/2006/main" xmlns:r="http://schemas.openxmlformats.org/officeDocument/2006/relationships" xmlns:p="http://schemas.openxmlformats.org/presentationml/2006/main">
   <p:cSld>
     <p:spTree>
@@ -18748,7 +19247,7 @@
 </p:sld>
 </file>
 
-<file path=ppt/slides/slide17.xml><?xml version="1.0" encoding="utf-8"?>
+<file path=ppt/slides/slide18.xml><?xml version="1.0" encoding="utf-8"?>
 <p:sld xmlns:a="http://schemas.openxmlformats.org/drawingml/2006/main" xmlns:r="http://schemas.openxmlformats.org/officeDocument/2006/relationships" xmlns:p="http://schemas.openxmlformats.org/presentationml/2006/main">
   <p:cSld>
     <p:spTree>
@@ -18971,7 +19470,7 @@
 </p:sld>
 </file>
 
-<file path=ppt/slides/slide18.xml><?xml version="1.0" encoding="utf-8"?>
+<file path=ppt/slides/slide19.xml><?xml version="1.0" encoding="utf-8"?>
 <p:sld xmlns:a="http://schemas.openxmlformats.org/drawingml/2006/main" xmlns:r="http://schemas.openxmlformats.org/officeDocument/2006/relationships" xmlns:p="http://schemas.openxmlformats.org/presentationml/2006/main">
   <p:cSld>
     <p:spTree>
@@ -19259,7 +19758,210 @@
 </p:sld>
 </file>
 
-<file path=ppt/slides/slide19.xml><?xml version="1.0" encoding="utf-8"?>
+<file path=ppt/slides/slide2.xml><?xml version="1.0" encoding="utf-8"?>
+<p:sld xmlns:a="http://schemas.openxmlformats.org/drawingml/2006/main" xmlns:r="http://schemas.openxmlformats.org/officeDocument/2006/relationships" xmlns:p="http://schemas.openxmlformats.org/presentationml/2006/main">
+  <p:cSld>
+    <p:spTree>
+      <p:nvGrpSpPr>
+        <p:cNvPr id="1" name=""/>
+        <p:cNvGrpSpPr/>
+        <p:nvPr/>
+      </p:nvGrpSpPr>
+      <p:grpSpPr>
+        <a:xfrm>
+          <a:off x="0" y="0"/>
+          <a:ext cx="0" cy="0"/>
+          <a:chOff x="0" y="0"/>
+          <a:chExt cx="0" cy="0"/>
+        </a:xfrm>
+      </p:grpSpPr>
+      <p:sp>
+        <p:nvSpPr>
+          <p:cNvPr id="2" name="Title 1"/>
+          <p:cNvSpPr>
+            <a:spLocks noGrp="1"/>
+          </p:cNvSpPr>
+          <p:nvPr>
+            <p:ph type="ctrTitle"/>
+          </p:nvPr>
+        </p:nvSpPr>
+        <p:spPr>
+          <a:xfrm>
+            <a:off x="1045840" y="620688"/>
+            <a:ext cx="7342584" cy="1470025"/>
+          </a:xfrm>
+        </p:spPr>
+        <p:txBody>
+          <a:bodyPr rtlCol="0">
+            <a:normAutofit fontScale="90000"/>
+          </a:bodyPr>
+          <a:lstStyle/>
+          <a:p>
+            <a:pPr algn="l" eaLnBrk="1" fontAlgn="auto" hangingPunct="1">
+              <a:spcAft>
+                <a:spcPts val="0"/>
+              </a:spcAft>
+              <a:defRPr/>
+            </a:pPr>
+            <a:r>
+              <a:rPr lang="es-MX" sz="3200" dirty="0">
+                <a:solidFill>
+                  <a:schemeClr val="bg2">
+                    <a:lumMod val="50000"/>
+                  </a:schemeClr>
+                </a:solidFill>
+              </a:rPr>
+              <a:t>TC1028 </a:t>
+            </a:r>
+            <a:br>
+              <a:rPr lang="es-MX" sz="3200" dirty="0">
+                <a:solidFill>
+                  <a:schemeClr val="bg2">
+                    <a:lumMod val="50000"/>
+                  </a:schemeClr>
+                </a:solidFill>
+              </a:rPr>
+            </a:br>
+            <a:r>
+              <a:rPr lang="es-MX" sz="3200" dirty="0">
+                <a:solidFill>
+                  <a:schemeClr val="bg2">
+                    <a:lumMod val="50000"/>
+                  </a:schemeClr>
+                </a:solidFill>
+              </a:rPr>
+              <a:t>Pensamiento Computacional para Ingeniería</a:t>
+            </a:r>
+          </a:p>
+        </p:txBody>
+      </p:sp>
+      <p:sp>
+        <p:nvSpPr>
+          <p:cNvPr id="3" name="Subtitle 2"/>
+          <p:cNvSpPr>
+            <a:spLocks noGrp="1"/>
+          </p:cNvSpPr>
+          <p:nvPr>
+            <p:ph type="subTitle" idx="1"/>
+          </p:nvPr>
+        </p:nvSpPr>
+        <p:spPr>
+          <a:xfrm>
+            <a:off x="1015334" y="2348880"/>
+            <a:ext cx="7342584" cy="1368152"/>
+          </a:xfrm>
+        </p:spPr>
+        <p:txBody>
+          <a:bodyPr rtlCol="0">
+            <a:normAutofit/>
+          </a:bodyPr>
+          <a:lstStyle/>
+          <a:p>
+            <a:pPr eaLnBrk="1" fontAlgn="auto" hangingPunct="1">
+              <a:spcAft>
+                <a:spcPts val="0"/>
+              </a:spcAft>
+              <a:defRPr/>
+            </a:pPr>
+            <a:r>
+              <a:rPr lang="es-MX" b="1" dirty="0">
+                <a:solidFill>
+                  <a:schemeClr val="accent4">
+                    <a:lumMod val="50000"/>
+                  </a:schemeClr>
+                </a:solidFill>
+              </a:rPr>
+              <a:t>Introducción algoritmos y programas</a:t>
+            </a:r>
+          </a:p>
+          <a:p>
+            <a:pPr eaLnBrk="1" fontAlgn="auto" hangingPunct="1">
+              <a:spcAft>
+                <a:spcPts val="0"/>
+              </a:spcAft>
+              <a:defRPr/>
+            </a:pPr>
+            <a:r>
+              <a:rPr lang="es-MX" sz="2000" dirty="0">
+                <a:solidFill>
+                  <a:schemeClr val="accent4">
+                    <a:lumMod val="50000"/>
+                  </a:schemeClr>
+                </a:solidFill>
+              </a:rPr>
+              <a:t>Tecnológico de Monterrey</a:t>
+            </a:r>
+          </a:p>
+        </p:txBody>
+      </p:sp>
+      <p:pic>
+        <p:nvPicPr>
+          <p:cNvPr id="1026" name="Picture 2"/>
+          <p:cNvPicPr>
+            <a:picLocks noChangeAspect="1" noChangeArrowheads="1"/>
+          </p:cNvPicPr>
+          <p:nvPr/>
+        </p:nvPicPr>
+        <p:blipFill>
+          <a:blip r:embed="rId2">
+            <a:extLst>
+              <a:ext uri="{28A0092B-C50C-407E-A947-70E740481C1C}">
+                <a14:useLocalDpi xmlns:a14="http://schemas.microsoft.com/office/drawing/2010/main" val="0"/>
+              </a:ext>
+            </a:extLst>
+          </a:blip>
+          <a:srcRect/>
+          <a:stretch>
+            <a:fillRect/>
+          </a:stretch>
+        </p:blipFill>
+        <p:spPr bwMode="auto">
+          <a:xfrm>
+            <a:off x="2843808" y="3320769"/>
+            <a:ext cx="3960700" cy="2739732"/>
+          </a:xfrm>
+          <a:prstGeom prst="rect">
+            <a:avLst/>
+          </a:prstGeom>
+          <a:noFill/>
+          <a:ln>
+            <a:noFill/>
+          </a:ln>
+          <a:extLst>
+            <a:ext uri="{909E8E84-426E-40DD-AFC4-6F175D3DCCD1}">
+              <a14:hiddenFill xmlns:a14="http://schemas.microsoft.com/office/drawing/2010/main">
+                <a:solidFill>
+                  <a:schemeClr val="accent1"/>
+                </a:solidFill>
+              </a14:hiddenFill>
+            </a:ext>
+            <a:ext uri="{91240B29-F687-4F45-9708-019B960494DF}">
+              <a14:hiddenLine xmlns:a14="http://schemas.microsoft.com/office/drawing/2010/main" w="9525">
+                <a:solidFill>
+                  <a:schemeClr val="tx1"/>
+                </a:solidFill>
+                <a:miter lim="800000"/>
+                <a:headEnd/>
+                <a:tailEnd/>
+              </a14:hiddenLine>
+            </a:ext>
+          </a:extLst>
+        </p:spPr>
+      </p:pic>
+    </p:spTree>
+    <p:extLst>
+      <p:ext uri="{BB962C8B-B14F-4D97-AF65-F5344CB8AC3E}">
+        <p14:creationId xmlns:p14="http://schemas.microsoft.com/office/powerpoint/2010/main" val="2833797989"/>
+      </p:ext>
+    </p:extLst>
+  </p:cSld>
+  <p:clrMapOvr>
+    <a:masterClrMapping/>
+  </p:clrMapOvr>
+</p:sld>
+</file>
+
+<file path=ppt/slides/slide20.xml><?xml version="1.0" encoding="utf-8"?>
 <p:sld xmlns:a="http://schemas.openxmlformats.org/drawingml/2006/main" xmlns:r="http://schemas.openxmlformats.org/officeDocument/2006/relationships" xmlns:p="http://schemas.openxmlformats.org/presentationml/2006/main">
   <p:cSld>
     <p:spTree>
@@ -19448,7 +20150,7 @@
                 <a:cs typeface="Calibri"/>
               </a:rPr>
               <a:pPr marL="25400"/>
-              <a:t>19</a:t>
+              <a:t>20</a:t>
             </a:fld>
             <a:endParaRPr sz="1200">
               <a:latin typeface="Calibri"/>
@@ -19648,210 +20350,7 @@
 </p:sld>
 </file>
 
-<file path=ppt/slides/slide2.xml><?xml version="1.0" encoding="utf-8"?>
-<p:sld xmlns:a="http://schemas.openxmlformats.org/drawingml/2006/main" xmlns:r="http://schemas.openxmlformats.org/officeDocument/2006/relationships" xmlns:p="http://schemas.openxmlformats.org/presentationml/2006/main">
-  <p:cSld>
-    <p:spTree>
-      <p:nvGrpSpPr>
-        <p:cNvPr id="1" name=""/>
-        <p:cNvGrpSpPr/>
-        <p:nvPr/>
-      </p:nvGrpSpPr>
-      <p:grpSpPr>
-        <a:xfrm>
-          <a:off x="0" y="0"/>
-          <a:ext cx="0" cy="0"/>
-          <a:chOff x="0" y="0"/>
-          <a:chExt cx="0" cy="0"/>
-        </a:xfrm>
-      </p:grpSpPr>
-      <p:sp>
-        <p:nvSpPr>
-          <p:cNvPr id="2" name="Title 1"/>
-          <p:cNvSpPr>
-            <a:spLocks noGrp="1"/>
-          </p:cNvSpPr>
-          <p:nvPr>
-            <p:ph type="ctrTitle"/>
-          </p:nvPr>
-        </p:nvSpPr>
-        <p:spPr>
-          <a:xfrm>
-            <a:off x="1045840" y="620688"/>
-            <a:ext cx="7342584" cy="1470025"/>
-          </a:xfrm>
-        </p:spPr>
-        <p:txBody>
-          <a:bodyPr rtlCol="0">
-            <a:normAutofit fontScale="90000"/>
-          </a:bodyPr>
-          <a:lstStyle/>
-          <a:p>
-            <a:pPr algn="l" eaLnBrk="1" fontAlgn="auto" hangingPunct="1">
-              <a:spcAft>
-                <a:spcPts val="0"/>
-              </a:spcAft>
-              <a:defRPr/>
-            </a:pPr>
-            <a:r>
-              <a:rPr lang="es-MX" sz="3200" dirty="0">
-                <a:solidFill>
-                  <a:schemeClr val="bg2">
-                    <a:lumMod val="50000"/>
-                  </a:schemeClr>
-                </a:solidFill>
-              </a:rPr>
-              <a:t>TC1028 </a:t>
-            </a:r>
-            <a:br>
-              <a:rPr lang="es-MX" sz="3200" dirty="0">
-                <a:solidFill>
-                  <a:schemeClr val="bg2">
-                    <a:lumMod val="50000"/>
-                  </a:schemeClr>
-                </a:solidFill>
-              </a:rPr>
-            </a:br>
-            <a:r>
-              <a:rPr lang="es-MX" sz="3200" dirty="0">
-                <a:solidFill>
-                  <a:schemeClr val="bg2">
-                    <a:lumMod val="50000"/>
-                  </a:schemeClr>
-                </a:solidFill>
-              </a:rPr>
-              <a:t>Pensamiento Computacional para Ingeniería</a:t>
-            </a:r>
-          </a:p>
-        </p:txBody>
-      </p:sp>
-      <p:sp>
-        <p:nvSpPr>
-          <p:cNvPr id="3" name="Subtitle 2"/>
-          <p:cNvSpPr>
-            <a:spLocks noGrp="1"/>
-          </p:cNvSpPr>
-          <p:nvPr>
-            <p:ph type="subTitle" idx="1"/>
-          </p:nvPr>
-        </p:nvSpPr>
-        <p:spPr>
-          <a:xfrm>
-            <a:off x="1015334" y="2348880"/>
-            <a:ext cx="7342584" cy="1368152"/>
-          </a:xfrm>
-        </p:spPr>
-        <p:txBody>
-          <a:bodyPr rtlCol="0">
-            <a:normAutofit/>
-          </a:bodyPr>
-          <a:lstStyle/>
-          <a:p>
-            <a:pPr eaLnBrk="1" fontAlgn="auto" hangingPunct="1">
-              <a:spcAft>
-                <a:spcPts val="0"/>
-              </a:spcAft>
-              <a:defRPr/>
-            </a:pPr>
-            <a:r>
-              <a:rPr lang="es-MX" b="1" dirty="0">
-                <a:solidFill>
-                  <a:schemeClr val="accent4">
-                    <a:lumMod val="50000"/>
-                  </a:schemeClr>
-                </a:solidFill>
-              </a:rPr>
-              <a:t>Introducción algoritmos y programas</a:t>
-            </a:r>
-          </a:p>
-          <a:p>
-            <a:pPr eaLnBrk="1" fontAlgn="auto" hangingPunct="1">
-              <a:spcAft>
-                <a:spcPts val="0"/>
-              </a:spcAft>
-              <a:defRPr/>
-            </a:pPr>
-            <a:r>
-              <a:rPr lang="es-MX" sz="2000" dirty="0">
-                <a:solidFill>
-                  <a:schemeClr val="accent4">
-                    <a:lumMod val="50000"/>
-                  </a:schemeClr>
-                </a:solidFill>
-              </a:rPr>
-              <a:t>Tecnológico de Monterrey</a:t>
-            </a:r>
-          </a:p>
-        </p:txBody>
-      </p:sp>
-      <p:pic>
-        <p:nvPicPr>
-          <p:cNvPr id="1026" name="Picture 2"/>
-          <p:cNvPicPr>
-            <a:picLocks noChangeAspect="1" noChangeArrowheads="1"/>
-          </p:cNvPicPr>
-          <p:nvPr/>
-        </p:nvPicPr>
-        <p:blipFill>
-          <a:blip r:embed="rId2">
-            <a:extLst>
-              <a:ext uri="{28A0092B-C50C-407E-A947-70E740481C1C}">
-                <a14:useLocalDpi xmlns:a14="http://schemas.microsoft.com/office/drawing/2010/main" val="0"/>
-              </a:ext>
-            </a:extLst>
-          </a:blip>
-          <a:srcRect/>
-          <a:stretch>
-            <a:fillRect/>
-          </a:stretch>
-        </p:blipFill>
-        <p:spPr bwMode="auto">
-          <a:xfrm>
-            <a:off x="2843808" y="3320769"/>
-            <a:ext cx="3960700" cy="2739732"/>
-          </a:xfrm>
-          <a:prstGeom prst="rect">
-            <a:avLst/>
-          </a:prstGeom>
-          <a:noFill/>
-          <a:ln>
-            <a:noFill/>
-          </a:ln>
-          <a:extLst>
-            <a:ext uri="{909E8E84-426E-40DD-AFC4-6F175D3DCCD1}">
-              <a14:hiddenFill xmlns:a14="http://schemas.microsoft.com/office/drawing/2010/main">
-                <a:solidFill>
-                  <a:schemeClr val="accent1"/>
-                </a:solidFill>
-              </a14:hiddenFill>
-            </a:ext>
-            <a:ext uri="{91240B29-F687-4F45-9708-019B960494DF}">
-              <a14:hiddenLine xmlns:a14="http://schemas.microsoft.com/office/drawing/2010/main" w="9525">
-                <a:solidFill>
-                  <a:schemeClr val="tx1"/>
-                </a:solidFill>
-                <a:miter lim="800000"/>
-                <a:headEnd/>
-                <a:tailEnd/>
-              </a14:hiddenLine>
-            </a:ext>
-          </a:extLst>
-        </p:spPr>
-      </p:pic>
-    </p:spTree>
-    <p:extLst>
-      <p:ext uri="{BB962C8B-B14F-4D97-AF65-F5344CB8AC3E}">
-        <p14:creationId xmlns:p14="http://schemas.microsoft.com/office/powerpoint/2010/main" val="2833797989"/>
-      </p:ext>
-    </p:extLst>
-  </p:cSld>
-  <p:clrMapOvr>
-    <a:masterClrMapping/>
-  </p:clrMapOvr>
-</p:sld>
-</file>
-
-<file path=ppt/slides/slide20.xml><?xml version="1.0" encoding="utf-8"?>
+<file path=ppt/slides/slide21.xml><?xml version="1.0" encoding="utf-8"?>
 <p:sld xmlns:a="http://schemas.openxmlformats.org/drawingml/2006/main" xmlns:r="http://schemas.openxmlformats.org/officeDocument/2006/relationships" xmlns:p="http://schemas.openxmlformats.org/presentationml/2006/main">
   <p:cSld>
     <p:spTree>
@@ -21075,7 +21574,7 @@
                 <a:cs typeface="Calibri"/>
               </a:rPr>
               <a:pPr marL="25400"/>
-              <a:t>20</a:t>
+              <a:t>21</a:t>
             </a:fld>
             <a:endParaRPr dirty="0">
               <a:latin typeface="Calibri"/>
